--- a/04_Soziales Netzwerk/Sharit-Präsi.pptx
+++ b/04_Soziales Netzwerk/Sharit-Präsi.pptx
@@ -120,9 +120,9 @@
 <file path=ppt/revisionInfo.xml><?xml version="1.0" encoding="utf-8"?>
 <p1510:revInfo xmlns:a="http://schemas.openxmlformats.org/drawingml/2006/main" xmlns:r="http://schemas.openxmlformats.org/officeDocument/2006/relationships" xmlns:p1510="http://schemas.microsoft.com/office/powerpoint/2015/10/main">
   <p1510:revLst>
-    <p1510:client id="{2F125D50-037A-4150-B892-F87C63A17878}" v="367" dt="2023-12-15T10:16:34.651"/>
+    <p1510:client id="{2F125D50-037A-4150-B892-F87C63A17878}" v="419" vWet="425" dt="2023-12-15T10:24:41.861"/>
     <p1510:client id="{833E5A1F-2F23-4009-A644-D54E15396C46}" v="1017" dt="2023-12-15T10:18:25.430"/>
-    <p1510:client id="{89514790-007F-4812-AE83-0AF258DDE594}" v="21" dt="2023-12-15T10:17:06.122"/>
+    <p1510:client id="{89514790-007F-4812-AE83-0AF258DDE594}" v="89" dt="2023-12-15T10:28:22.265"/>
   </p1510:revLst>
 </p1510:revInfo>
 </file>
@@ -132,7 +132,7 @@
   <pc:docChgLst>
     <pc:chgData name="Krasniqi Elion" userId="857f8377-6dbe-4852-98f8-6f907e234bfd" providerId="ADAL" clId="{2F125D50-037A-4150-B892-F87C63A17878}"/>
     <pc:docChg chg="undo custSel addSld modSld sldOrd">
-      <pc:chgData name="Krasniqi Elion" userId="857f8377-6dbe-4852-98f8-6f907e234bfd" providerId="ADAL" clId="{2F125D50-037A-4150-B892-F87C63A17878}" dt="2023-12-15T10:16:34.651" v="366" actId="20577"/>
+      <pc:chgData name="Krasniqi Elion" userId="857f8377-6dbe-4852-98f8-6f907e234bfd" providerId="ADAL" clId="{2F125D50-037A-4150-B892-F87C63A17878}" dt="2023-12-15T10:24:37.923" v="418" actId="478"/>
       <pc:docMkLst>
         <pc:docMk/>
       </pc:docMkLst>
@@ -342,14 +342,14 @@
           </ac:spMkLst>
         </pc:spChg>
       </pc:sldChg>
-      <pc:sldChg chg="addSp modSp new mod ord">
-        <pc:chgData name="Krasniqi Elion" userId="857f8377-6dbe-4852-98f8-6f907e234bfd" providerId="ADAL" clId="{2F125D50-037A-4150-B892-F87C63A17878}" dt="2023-12-15T10:16:34.651" v="366" actId="20577"/>
+      <pc:sldChg chg="addSp delSp modSp new mod ord">
+        <pc:chgData name="Krasniqi Elion" userId="857f8377-6dbe-4852-98f8-6f907e234bfd" providerId="ADAL" clId="{2F125D50-037A-4150-B892-F87C63A17878}" dt="2023-12-15T10:24:37.923" v="418" actId="478"/>
         <pc:sldMkLst>
           <pc:docMk/>
           <pc:sldMk cId="4100619207" sldId="260"/>
         </pc:sldMkLst>
         <pc:spChg chg="mod">
-          <ac:chgData name="Krasniqi Elion" userId="857f8377-6dbe-4852-98f8-6f907e234bfd" providerId="ADAL" clId="{2F125D50-037A-4150-B892-F87C63A17878}" dt="2023-12-15T10:15:54.500" v="315" actId="14100"/>
+          <ac:chgData name="Krasniqi Elion" userId="857f8377-6dbe-4852-98f8-6f907e234bfd" providerId="ADAL" clId="{2F125D50-037A-4150-B892-F87C63A17878}" dt="2023-12-15T10:22:40.531" v="400" actId="20577"/>
           <ac:spMkLst>
             <pc:docMk/>
             <pc:sldMk cId="4100619207" sldId="260"/>
@@ -364,6 +364,22 @@
             <ac:spMk id="3" creationId="{FE5318A0-B627-EE39-5D13-82124A74704B}"/>
           </ac:spMkLst>
         </pc:spChg>
+        <pc:picChg chg="add del mod">
+          <ac:chgData name="Krasniqi Elion" userId="857f8377-6dbe-4852-98f8-6f907e234bfd" providerId="ADAL" clId="{2F125D50-037A-4150-B892-F87C63A17878}" dt="2023-12-15T10:24:35.753" v="414"/>
+          <ac:picMkLst>
+            <pc:docMk/>
+            <pc:sldMk cId="4100619207" sldId="260"/>
+            <ac:picMk id="4" creationId="{2A2B1AD4-2E7A-11F0-25E3-66FCD374C2CC}"/>
+          </ac:picMkLst>
+        </pc:picChg>
+        <pc:picChg chg="add del mod">
+          <ac:chgData name="Krasniqi Elion" userId="857f8377-6dbe-4852-98f8-6f907e234bfd" providerId="ADAL" clId="{2F125D50-037A-4150-B892-F87C63A17878}" dt="2023-12-15T10:24:35.654" v="413"/>
+          <ac:picMkLst>
+            <pc:docMk/>
+            <pc:sldMk cId="4100619207" sldId="260"/>
+            <ac:picMk id="5" creationId="{575074A5-9CF4-2033-D7CD-70CA8EB6B869}"/>
+          </ac:picMkLst>
+        </pc:picChg>
         <pc:picChg chg="add">
           <ac:chgData name="Krasniqi Elion" userId="857f8377-6dbe-4852-98f8-6f907e234bfd" providerId="ADAL" clId="{2F125D50-037A-4150-B892-F87C63A17878}" dt="2023-12-15T10:15:07.756" v="314"/>
           <ac:picMkLst>
@@ -372,18 +388,66 @@
             <ac:picMk id="2050" creationId="{949B8B60-BB81-DFD1-D032-47F8C107398A}"/>
           </ac:picMkLst>
         </pc:picChg>
+        <pc:picChg chg="add del">
+          <ac:chgData name="Krasniqi Elion" userId="857f8377-6dbe-4852-98f8-6f907e234bfd" providerId="ADAL" clId="{2F125D50-037A-4150-B892-F87C63A17878}" dt="2023-12-15T10:23:16.560" v="402"/>
+          <ac:picMkLst>
+            <pc:docMk/>
+            <pc:sldMk cId="4100619207" sldId="260"/>
+            <ac:picMk id="2052" creationId="{11F43C3B-D3AC-9EB8-F8D9-C26446305BC4}"/>
+          </ac:picMkLst>
+        </pc:picChg>
+        <pc:picChg chg="add del mod">
+          <ac:chgData name="Krasniqi Elion" userId="857f8377-6dbe-4852-98f8-6f907e234bfd" providerId="ADAL" clId="{2F125D50-037A-4150-B892-F87C63A17878}" dt="2023-12-15T10:23:36.303" v="406"/>
+          <ac:picMkLst>
+            <pc:docMk/>
+            <pc:sldMk cId="4100619207" sldId="260"/>
+            <ac:picMk id="2054" creationId="{D6DBB44A-3193-D3E9-7389-0B4BBEE4D8AF}"/>
+          </ac:picMkLst>
+        </pc:picChg>
+        <pc:picChg chg="add del">
+          <ac:chgData name="Krasniqi Elion" userId="857f8377-6dbe-4852-98f8-6f907e234bfd" providerId="ADAL" clId="{2F125D50-037A-4150-B892-F87C63A17878}" dt="2023-12-15T10:24:37.923" v="418" actId="478"/>
+          <ac:picMkLst>
+            <pc:docMk/>
+            <pc:sldMk cId="4100619207" sldId="260"/>
+            <ac:picMk id="2056" creationId="{230190B5-7052-FF3D-6440-4F95A0A6F78F}"/>
+          </ac:picMkLst>
+        </pc:picChg>
+        <pc:picChg chg="add del mod">
+          <ac:chgData name="Krasniqi Elion" userId="857f8377-6dbe-4852-98f8-6f907e234bfd" providerId="ADAL" clId="{2F125D50-037A-4150-B892-F87C63A17878}" dt="2023-12-15T10:24:36.338" v="417"/>
+          <ac:picMkLst>
+            <pc:docMk/>
+            <pc:sldMk cId="4100619207" sldId="260"/>
+            <ac:picMk id="2058" creationId="{8B784541-B1E2-5291-2CEF-A2D24E2D9833}"/>
+          </ac:picMkLst>
+        </pc:picChg>
+        <pc:picChg chg="add del mod">
+          <ac:chgData name="Krasniqi Elion" userId="857f8377-6dbe-4852-98f8-6f907e234bfd" providerId="ADAL" clId="{2F125D50-037A-4150-B892-F87C63A17878}" dt="2023-12-15T10:24:36.077" v="416"/>
+          <ac:picMkLst>
+            <pc:docMk/>
+            <pc:sldMk cId="4100619207" sldId="260"/>
+            <ac:picMk id="2060" creationId="{87A0146C-B1AD-3EDD-DBC7-0B090524611B}"/>
+          </ac:picMkLst>
+        </pc:picChg>
+        <pc:picChg chg="add del mod">
+          <ac:chgData name="Krasniqi Elion" userId="857f8377-6dbe-4852-98f8-6f907e234bfd" providerId="ADAL" clId="{2F125D50-037A-4150-B892-F87C63A17878}" dt="2023-12-15T10:24:36.074" v="415"/>
+          <ac:picMkLst>
+            <pc:docMk/>
+            <pc:sldMk cId="4100619207" sldId="260"/>
+            <ac:picMk id="2062" creationId="{85A2774E-49B2-A97B-F4BE-18AE8EDC2E26}"/>
+          </ac:picMkLst>
+        </pc:picChg>
       </pc:sldChg>
     </pc:docChg>
   </pc:docChgLst>
   <pc:docChgLst>
     <pc:chgData name="Tanaskovic Vuk" userId="S::vuk.tanaskovic@edu.tbz.ch::1de608be-8b6d-4fe7-97b4-5f1694d1ad5a" providerId="AD" clId="Web-{89514790-007F-4812-AE83-0AF258DDE594}"/>
     <pc:docChg chg="modSld sldOrd">
-      <pc:chgData name="Tanaskovic Vuk" userId="S::vuk.tanaskovic@edu.tbz.ch::1de608be-8b6d-4fe7-97b4-5f1694d1ad5a" providerId="AD" clId="Web-{89514790-007F-4812-AE83-0AF258DDE594}" dt="2023-12-15T10:17:24.747" v="27"/>
+      <pc:chgData name="Tanaskovic Vuk" userId="S::vuk.tanaskovic@edu.tbz.ch::1de608be-8b6d-4fe7-97b4-5f1694d1ad5a" providerId="AD" clId="Web-{89514790-007F-4812-AE83-0AF258DDE594}" dt="2023-12-15T10:28:19.359" v="93" actId="20577"/>
       <pc:docMkLst>
         <pc:docMk/>
       </pc:docMkLst>
-      <pc:sldChg chg="modSp">
-        <pc:chgData name="Tanaskovic Vuk" userId="S::vuk.tanaskovic@edu.tbz.ch::1de608be-8b6d-4fe7-97b4-5f1694d1ad5a" providerId="AD" clId="Web-{89514790-007F-4812-AE83-0AF258DDE594}" dt="2023-12-15T10:12:54.896" v="9" actId="1076"/>
+      <pc:sldChg chg="modSp ord">
+        <pc:chgData name="Tanaskovic Vuk" userId="S::vuk.tanaskovic@edu.tbz.ch::1de608be-8b6d-4fe7-97b4-5f1694d1ad5a" providerId="AD" clId="Web-{89514790-007F-4812-AE83-0AF258DDE594}" dt="2023-12-15T10:25:28.182" v="66"/>
         <pc:sldMkLst>
           <pc:docMk/>
           <pc:sldMk cId="663256495" sldId="256"/>
@@ -405,8 +469,8 @@
           </ac:spMkLst>
         </pc:spChg>
       </pc:sldChg>
-      <pc:sldChg chg="addSp modSp mod setBg">
-        <pc:chgData name="Tanaskovic Vuk" userId="S::vuk.tanaskovic@edu.tbz.ch::1de608be-8b6d-4fe7-97b4-5f1694d1ad5a" providerId="AD" clId="Web-{89514790-007F-4812-AE83-0AF258DDE594}" dt="2023-12-15T10:13:38.413" v="10"/>
+      <pc:sldChg chg="addSp modSp mod modTransition setBg">
+        <pc:chgData name="Tanaskovic Vuk" userId="S::vuk.tanaskovic@edu.tbz.ch::1de608be-8b6d-4fe7-97b4-5f1694d1ad5a" providerId="AD" clId="Web-{89514790-007F-4812-AE83-0AF258DDE594}" dt="2023-12-15T10:25:59.355" v="70" actId="20577"/>
         <pc:sldMkLst>
           <pc:docMk/>
           <pc:sldMk cId="2348188411" sldId="257"/>
@@ -420,7 +484,7 @@
           </ac:spMkLst>
         </pc:spChg>
         <pc:spChg chg="mod">
-          <ac:chgData name="Tanaskovic Vuk" userId="S::vuk.tanaskovic@edu.tbz.ch::1de608be-8b6d-4fe7-97b4-5f1694d1ad5a" providerId="AD" clId="Web-{89514790-007F-4812-AE83-0AF258DDE594}" dt="2023-12-15T10:13:38.413" v="10"/>
+          <ac:chgData name="Tanaskovic Vuk" userId="S::vuk.tanaskovic@edu.tbz.ch::1de608be-8b6d-4fe7-97b4-5f1694d1ad5a" providerId="AD" clId="Web-{89514790-007F-4812-AE83-0AF258DDE594}" dt="2023-12-15T10:25:59.355" v="70" actId="20577"/>
           <ac:spMkLst>
             <pc:docMk/>
             <pc:sldMk cId="2348188411" sldId="257"/>
@@ -452,8 +516,8 @@
           </ac:picMkLst>
         </pc:picChg>
       </pc:sldChg>
-      <pc:sldChg chg="addSp modSp mod setBg">
-        <pc:chgData name="Tanaskovic Vuk" userId="S::vuk.tanaskovic@edu.tbz.ch::1de608be-8b6d-4fe7-97b4-5f1694d1ad5a" providerId="AD" clId="Web-{89514790-007F-4812-AE83-0AF258DDE594}" dt="2023-12-15T10:14:32.649" v="17" actId="14100"/>
+      <pc:sldChg chg="addSp modSp mod modTransition setBg">
+        <pc:chgData name="Tanaskovic Vuk" userId="S::vuk.tanaskovic@edu.tbz.ch::1de608be-8b6d-4fe7-97b4-5f1694d1ad5a" providerId="AD" clId="Web-{89514790-007F-4812-AE83-0AF258DDE594}" dt="2023-12-15T10:26:25.324" v="73" actId="20577"/>
         <pc:sldMkLst>
           <pc:docMk/>
           <pc:sldMk cId="980266862" sldId="258"/>
@@ -467,7 +531,7 @@
           </ac:spMkLst>
         </pc:spChg>
         <pc:spChg chg="mod">
-          <ac:chgData name="Tanaskovic Vuk" userId="S::vuk.tanaskovic@edu.tbz.ch::1de608be-8b6d-4fe7-97b4-5f1694d1ad5a" providerId="AD" clId="Web-{89514790-007F-4812-AE83-0AF258DDE594}" dt="2023-12-15T10:14:32.649" v="17" actId="14100"/>
+          <ac:chgData name="Tanaskovic Vuk" userId="S::vuk.tanaskovic@edu.tbz.ch::1de608be-8b6d-4fe7-97b4-5f1694d1ad5a" providerId="AD" clId="Web-{89514790-007F-4812-AE83-0AF258DDE594}" dt="2023-12-15T10:26:25.324" v="73" actId="20577"/>
           <ac:spMkLst>
             <pc:docMk/>
             <pc:sldMk cId="980266862" sldId="258"/>
@@ -499,8 +563,8 @@
           </ac:picMkLst>
         </pc:picChg>
       </pc:sldChg>
-      <pc:sldChg chg="addSp delSp modSp mod setBg">
-        <pc:chgData name="Tanaskovic Vuk" userId="S::vuk.tanaskovic@edu.tbz.ch::1de608be-8b6d-4fe7-97b4-5f1694d1ad5a" providerId="AD" clId="Web-{89514790-007F-4812-AE83-0AF258DDE594}" dt="2023-12-15T10:14:45.118" v="18"/>
+      <pc:sldChg chg="addSp delSp modSp mod modTransition setBg">
+        <pc:chgData name="Tanaskovic Vuk" userId="S::vuk.tanaskovic@edu.tbz.ch::1de608be-8b6d-4fe7-97b4-5f1694d1ad5a" providerId="AD" clId="Web-{89514790-007F-4812-AE83-0AF258DDE594}" dt="2023-12-15T10:24:14.711" v="64"/>
         <pc:sldMkLst>
           <pc:docMk/>
           <pc:sldMk cId="3112544847" sldId="259"/>
@@ -546,14 +610,14 @@
           </ac:picMkLst>
         </pc:picChg>
       </pc:sldChg>
-      <pc:sldChg chg="addSp delSp modSp mod ord setBg">
-        <pc:chgData name="Tanaskovic Vuk" userId="S::vuk.tanaskovic@edu.tbz.ch::1de608be-8b6d-4fe7-97b4-5f1694d1ad5a" providerId="AD" clId="Web-{89514790-007F-4812-AE83-0AF258DDE594}" dt="2023-12-15T10:17:24.747" v="27"/>
+      <pc:sldChg chg="addSp delSp modSp mod ord modTransition setBg">
+        <pc:chgData name="Tanaskovic Vuk" userId="S::vuk.tanaskovic@edu.tbz.ch::1de608be-8b6d-4fe7-97b4-5f1694d1ad5a" providerId="AD" clId="Web-{89514790-007F-4812-AE83-0AF258DDE594}" dt="2023-12-15T10:28:19.359" v="93" actId="20577"/>
         <pc:sldMkLst>
           <pc:docMk/>
           <pc:sldMk cId="4100619207" sldId="260"/>
         </pc:sldMkLst>
         <pc:spChg chg="mod ord">
-          <ac:chgData name="Tanaskovic Vuk" userId="S::vuk.tanaskovic@edu.tbz.ch::1de608be-8b6d-4fe7-97b4-5f1694d1ad5a" providerId="AD" clId="Web-{89514790-007F-4812-AE83-0AF258DDE594}" dt="2023-12-15T10:17:24.747" v="27"/>
+          <ac:chgData name="Tanaskovic Vuk" userId="S::vuk.tanaskovic@edu.tbz.ch::1de608be-8b6d-4fe7-97b4-5f1694d1ad5a" providerId="AD" clId="Web-{89514790-007F-4812-AE83-0AF258DDE594}" dt="2023-12-15T10:23:43.039" v="58"/>
           <ac:spMkLst>
             <pc:docMk/>
             <pc:sldMk cId="4100619207" sldId="260"/>
@@ -608,52 +672,84 @@
             <ac:spMk id="2066" creationId="{D1EA859B-E555-4109-94F3-6700E046E008}"/>
           </ac:spMkLst>
         </pc:spChg>
-        <pc:spChg chg="add mod">
-          <ac:chgData name="Tanaskovic Vuk" userId="S::vuk.tanaskovic@edu.tbz.ch::1de608be-8b6d-4fe7-97b4-5f1694d1ad5a" providerId="AD" clId="Web-{89514790-007F-4812-AE83-0AF258DDE594}" dt="2023-12-15T10:17:24.747" v="27"/>
+        <pc:spChg chg="add mod ord">
+          <ac:chgData name="Tanaskovic Vuk" userId="S::vuk.tanaskovic@edu.tbz.ch::1de608be-8b6d-4fe7-97b4-5f1694d1ad5a" providerId="AD" clId="Web-{89514790-007F-4812-AE83-0AF258DDE594}" dt="2023-12-15T10:28:19.359" v="93" actId="20577"/>
           <ac:spMkLst>
             <pc:docMk/>
             <pc:sldMk cId="4100619207" sldId="260"/>
             <ac:spMk id="2070" creationId="{FE5318A0-B627-EE39-5D13-82124A74704B}"/>
           </ac:spMkLst>
         </pc:spChg>
-        <pc:spChg chg="add">
-          <ac:chgData name="Tanaskovic Vuk" userId="S::vuk.tanaskovic@edu.tbz.ch::1de608be-8b6d-4fe7-97b4-5f1694d1ad5a" providerId="AD" clId="Web-{89514790-007F-4812-AE83-0AF258DDE594}" dt="2023-12-15T10:17:24.747" v="27"/>
+        <pc:spChg chg="add del">
+          <ac:chgData name="Tanaskovic Vuk" userId="S::vuk.tanaskovic@edu.tbz.ch::1de608be-8b6d-4fe7-97b4-5f1694d1ad5a" providerId="AD" clId="Web-{89514790-007F-4812-AE83-0AF258DDE594}" dt="2023-12-15T10:21:55.364" v="28"/>
           <ac:spMkLst>
             <pc:docMk/>
             <pc:sldMk cId="4100619207" sldId="260"/>
             <ac:spMk id="2078" creationId="{8181FC64-B306-4821-98E2-780662EFC486}"/>
           </ac:spMkLst>
         </pc:spChg>
-        <pc:spChg chg="add">
-          <ac:chgData name="Tanaskovic Vuk" userId="S::vuk.tanaskovic@edu.tbz.ch::1de608be-8b6d-4fe7-97b4-5f1694d1ad5a" providerId="AD" clId="Web-{89514790-007F-4812-AE83-0AF258DDE594}" dt="2023-12-15T10:17:24.747" v="27"/>
+        <pc:spChg chg="add del">
+          <ac:chgData name="Tanaskovic Vuk" userId="S::vuk.tanaskovic@edu.tbz.ch::1de608be-8b6d-4fe7-97b4-5f1694d1ad5a" providerId="AD" clId="Web-{89514790-007F-4812-AE83-0AF258DDE594}" dt="2023-12-15T10:21:55.364" v="28"/>
           <ac:spMkLst>
             <pc:docMk/>
             <pc:sldMk cId="4100619207" sldId="260"/>
             <ac:spMk id="2080" creationId="{5871FC61-DD4E-47D4-81FD-8A7E7D12B371}"/>
           </ac:spMkLst>
         </pc:spChg>
-        <pc:spChg chg="add">
-          <ac:chgData name="Tanaskovic Vuk" userId="S::vuk.tanaskovic@edu.tbz.ch::1de608be-8b6d-4fe7-97b4-5f1694d1ad5a" providerId="AD" clId="Web-{89514790-007F-4812-AE83-0AF258DDE594}" dt="2023-12-15T10:17:24.747" v="27"/>
+        <pc:spChg chg="add del">
+          <ac:chgData name="Tanaskovic Vuk" userId="S::vuk.tanaskovic@edu.tbz.ch::1de608be-8b6d-4fe7-97b4-5f1694d1ad5a" providerId="AD" clId="Web-{89514790-007F-4812-AE83-0AF258DDE594}" dt="2023-12-15T10:21:55.364" v="28"/>
           <ac:spMkLst>
             <pc:docMk/>
             <pc:sldMk cId="4100619207" sldId="260"/>
             <ac:spMk id="2082" creationId="{F9EC3F91-A75C-4F74-867E-E4C28C13546B}"/>
           </ac:spMkLst>
         </pc:spChg>
-        <pc:spChg chg="add">
-          <ac:chgData name="Tanaskovic Vuk" userId="S::vuk.tanaskovic@edu.tbz.ch::1de608be-8b6d-4fe7-97b4-5f1694d1ad5a" providerId="AD" clId="Web-{89514790-007F-4812-AE83-0AF258DDE594}" dt="2023-12-15T10:17:24.747" v="27"/>
+        <pc:spChg chg="add del">
+          <ac:chgData name="Tanaskovic Vuk" userId="S::vuk.tanaskovic@edu.tbz.ch::1de608be-8b6d-4fe7-97b4-5f1694d1ad5a" providerId="AD" clId="Web-{89514790-007F-4812-AE83-0AF258DDE594}" dt="2023-12-15T10:21:55.364" v="28"/>
           <ac:spMkLst>
             <pc:docMk/>
             <pc:sldMk cId="4100619207" sldId="260"/>
             <ac:spMk id="2084" creationId="{829A1E2C-5AC8-40FC-99E9-832069D39792}"/>
           </ac:spMkLst>
         </pc:spChg>
+        <pc:spChg chg="add">
+          <ac:chgData name="Tanaskovic Vuk" userId="S::vuk.tanaskovic@edu.tbz.ch::1de608be-8b6d-4fe7-97b4-5f1694d1ad5a" providerId="AD" clId="Web-{89514790-007F-4812-AE83-0AF258DDE594}" dt="2023-12-15T10:23:43.039" v="58"/>
+          <ac:spMkLst>
+            <pc:docMk/>
+            <pc:sldMk cId="4100619207" sldId="260"/>
+            <ac:spMk id="2092" creationId="{AE3A741D-C19B-960A-5803-1C5887147820}"/>
+          </ac:spMkLst>
+        </pc:spChg>
+        <pc:spChg chg="add">
+          <ac:chgData name="Tanaskovic Vuk" userId="S::vuk.tanaskovic@edu.tbz.ch::1de608be-8b6d-4fe7-97b4-5f1694d1ad5a" providerId="AD" clId="Web-{89514790-007F-4812-AE83-0AF258DDE594}" dt="2023-12-15T10:23:43.039" v="58"/>
+          <ac:spMkLst>
+            <pc:docMk/>
+            <pc:sldMk cId="4100619207" sldId="260"/>
+            <ac:spMk id="2094" creationId="{DC39DE25-0E4E-0AA7-0932-1D78C2372786}"/>
+          </ac:spMkLst>
+        </pc:spChg>
+        <pc:spChg chg="add">
+          <ac:chgData name="Tanaskovic Vuk" userId="S::vuk.tanaskovic@edu.tbz.ch::1de608be-8b6d-4fe7-97b4-5f1694d1ad5a" providerId="AD" clId="Web-{89514790-007F-4812-AE83-0AF258DDE594}" dt="2023-12-15T10:23:43.039" v="58"/>
+          <ac:spMkLst>
+            <pc:docMk/>
+            <pc:sldMk cId="4100619207" sldId="260"/>
+            <ac:spMk id="2096" creationId="{8D6EA299-0840-6DEA-E670-C49AEBC87E89}"/>
+          </ac:spMkLst>
+        </pc:spChg>
         <pc:grpChg chg="add del">
-          <ac:chgData name="Tanaskovic Vuk" userId="S::vuk.tanaskovic@edu.tbz.ch::1de608be-8b6d-4fe7-97b4-5f1694d1ad5a" providerId="AD" clId="Web-{89514790-007F-4812-AE83-0AF258DDE594}" dt="2023-12-15T10:17:24.747" v="27"/>
+          <ac:chgData name="Tanaskovic Vuk" userId="S::vuk.tanaskovic@edu.tbz.ch::1de608be-8b6d-4fe7-97b4-5f1694d1ad5a" providerId="AD" clId="Web-{89514790-007F-4812-AE83-0AF258DDE594}" dt="2023-12-15T10:21:55.364" v="29"/>
           <ac:grpSpMkLst>
             <pc:docMk/>
             <pc:sldMk cId="4100619207" sldId="260"/>
             <ac:grpSpMk id="2071" creationId="{5EFBDE31-BB3E-6CFC-23CD-B5976DA38438}"/>
+          </ac:grpSpMkLst>
+        </pc:grpChg>
+        <pc:grpChg chg="add del">
+          <ac:chgData name="Tanaskovic Vuk" userId="S::vuk.tanaskovic@edu.tbz.ch::1de608be-8b6d-4fe7-97b4-5f1694d1ad5a" providerId="AD" clId="Web-{89514790-007F-4812-AE83-0AF258DDE594}" dt="2023-12-15T10:23:43.039" v="58"/>
+          <ac:grpSpMkLst>
+            <pc:docMk/>
+            <pc:sldMk cId="4100619207" sldId="260"/>
+            <ac:grpSpMk id="2086" creationId="{8CE57D37-C2D0-066B-1AE3-6F4244344F27}"/>
           </ac:grpSpMkLst>
         </pc:grpChg>
         <pc:graphicFrameChg chg="add del">
@@ -665,13 +761,36 @@
           </ac:graphicFrameMkLst>
         </pc:graphicFrameChg>
         <pc:picChg chg="mod ord">
-          <ac:chgData name="Tanaskovic Vuk" userId="S::vuk.tanaskovic@edu.tbz.ch::1de608be-8b6d-4fe7-97b4-5f1694d1ad5a" providerId="AD" clId="Web-{89514790-007F-4812-AE83-0AF258DDE594}" dt="2023-12-15T10:17:24.747" v="27"/>
+          <ac:chgData name="Tanaskovic Vuk" userId="S::vuk.tanaskovic@edu.tbz.ch::1de608be-8b6d-4fe7-97b4-5f1694d1ad5a" providerId="AD" clId="Web-{89514790-007F-4812-AE83-0AF258DDE594}" dt="2023-12-15T10:23:43.039" v="58"/>
           <ac:picMkLst>
             <pc:docMk/>
             <pc:sldMk cId="4100619207" sldId="260"/>
             <ac:picMk id="2050" creationId="{949B8B60-BB81-DFD1-D032-47F8C107398A}"/>
           </ac:picMkLst>
         </pc:picChg>
+        <pc:picChg chg="del">
+          <ac:chgData name="Tanaskovic Vuk" userId="S::vuk.tanaskovic@edu.tbz.ch::1de608be-8b6d-4fe7-97b4-5f1694d1ad5a" providerId="AD" clId="Web-{89514790-007F-4812-AE83-0AF258DDE594}" dt="2023-12-15T10:23:13.710" v="56"/>
+          <ac:picMkLst>
+            <pc:docMk/>
+            <pc:sldMk cId="4100619207" sldId="260"/>
+            <ac:picMk id="2052" creationId="{11F43C3B-D3AC-9EB8-F8D9-C26446305BC4}"/>
+          </ac:picMkLst>
+        </pc:picChg>
+      </pc:sldChg>
+      <pc:sldChg chg="modSp modTransition">
+        <pc:chgData name="Tanaskovic Vuk" userId="S::vuk.tanaskovic@edu.tbz.ch::1de608be-8b6d-4fe7-97b4-5f1694d1ad5a" providerId="AD" clId="Web-{89514790-007F-4812-AE83-0AF258DDE594}" dt="2023-12-15T10:26:41.497" v="77" actId="20577"/>
+        <pc:sldMkLst>
+          <pc:docMk/>
+          <pc:sldMk cId="1108453538" sldId="261"/>
+        </pc:sldMkLst>
+        <pc:spChg chg="mod">
+          <ac:chgData name="Tanaskovic Vuk" userId="S::vuk.tanaskovic@edu.tbz.ch::1de608be-8b6d-4fe7-97b4-5f1694d1ad5a" providerId="AD" clId="Web-{89514790-007F-4812-AE83-0AF258DDE594}" dt="2023-12-15T10:26:41.497" v="77" actId="20577"/>
+          <ac:spMkLst>
+            <pc:docMk/>
+            <pc:sldMk cId="1108453538" sldId="261"/>
+            <ac:spMk id="3" creationId="{D0D59446-0FB1-B132-667C-43E58B18BB14}"/>
+          </ac:spMkLst>
+        </pc:spChg>
       </pc:sldChg>
     </pc:docChg>
   </pc:docChgLst>
@@ -7496,12 +7615,96 @@
           <a:chExt cx="0" cy="0"/>
         </a:xfrm>
       </p:grpSpPr>
-      <p:sp useBgFill="1">
+      <p:sp>
         <p:nvSpPr>
-          <p:cNvPr id="2078" name="Rectangle 2077">
+          <p:cNvPr id="2" name="Titel 1">
             <a:extLst>
               <a:ext uri="{FF2B5EF4-FFF2-40B4-BE49-F238E27FC236}">
-                <a16:creationId xmlns:a16="http://schemas.microsoft.com/office/drawing/2014/main" id="{8181FC64-B306-4821-98E2-780662EFC486}"/>
+                <a16:creationId xmlns:a16="http://schemas.microsoft.com/office/drawing/2014/main" id="{303EFF36-1A3F-2040-A5A9-9E88B2D8FCDA}"/>
+              </a:ext>
+            </a:extLst>
+          </p:cNvPr>
+          <p:cNvSpPr>
+            <a:spLocks noGrp="1"/>
+          </p:cNvSpPr>
+          <p:nvPr>
+            <p:ph type="title"/>
+          </p:nvPr>
+        </p:nvSpPr>
+        <p:spPr>
+          <a:xfrm>
+            <a:off x="8079978" y="741391"/>
+            <a:ext cx="3369234" cy="1616203"/>
+          </a:xfrm>
+        </p:spPr>
+        <p:txBody>
+          <a:bodyPr anchor="b">
+            <a:normAutofit/>
+          </a:bodyPr>
+          <a:lstStyle/>
+          <a:p>
+            <a:r>
+              <a:rPr lang="de-CH" sz="3200"/>
+              <a:t>Inhaltsverzeichnis </a:t>
+            </a:r>
+            <a:endParaRPr lang="de-CH" sz="3200">
+              <a:ea typeface="Calibri Light"/>
+              <a:cs typeface="Calibri Light"/>
+            </a:endParaRPr>
+          </a:p>
+        </p:txBody>
+      </p:sp>
+      <p:pic>
+        <p:nvPicPr>
+          <p:cNvPr id="2050" name="Picture 2" descr="Alles was Sie über Social Media Marketing wissen müssen – COPE Content  Performance Group">
+            <a:extLst>
+              <a:ext uri="{FF2B5EF4-FFF2-40B4-BE49-F238E27FC236}">
+                <a16:creationId xmlns:a16="http://schemas.microsoft.com/office/drawing/2014/main" id="{949B8B60-BB81-DFD1-D032-47F8C107398A}"/>
+              </a:ext>
+            </a:extLst>
+          </p:cNvPr>
+          <p:cNvPicPr>
+            <a:picLocks noChangeAspect="1" noChangeArrowheads="1"/>
+          </p:cNvPicPr>
+          <p:nvPr/>
+        </p:nvPicPr>
+        <p:blipFill rotWithShape="1">
+          <a:blip r:embed="rId2">
+            <a:extLst>
+              <a:ext uri="{28A0092B-C50C-407E-A947-70E740481C1C}">
+                <a14:useLocalDpi xmlns:a14="http://schemas.microsoft.com/office/drawing/2010/main" val="0"/>
+              </a:ext>
+            </a:extLst>
+          </a:blip>
+          <a:srcRect l="25993" r="13391"/>
+          <a:stretch/>
+        </p:blipFill>
+        <p:spPr bwMode="auto">
+          <a:xfrm>
+            <a:off x="20" y="10"/>
+            <a:ext cx="7390243" cy="6857990"/>
+          </a:xfrm>
+          <a:prstGeom prst="rect">
+            <a:avLst/>
+          </a:prstGeom>
+          <a:noFill/>
+          <a:extLst>
+            <a:ext uri="{909E8E84-426E-40DD-AFC4-6F175D3DCCD1}">
+              <a14:hiddenFill xmlns:a14="http://schemas.microsoft.com/office/drawing/2010/main">
+                <a:solidFill>
+                  <a:srgbClr val="FFFFFF"/>
+                </a:solidFill>
+              </a14:hiddenFill>
+            </a:ext>
+          </a:extLst>
+        </p:spPr>
+      </p:pic>
+      <p:sp>
+        <p:nvSpPr>
+          <p:cNvPr id="2092" name="Rectangle 2091">
+            <a:extLst>
+              <a:ext uri="{FF2B5EF4-FFF2-40B4-BE49-F238E27FC236}">
+                <a16:creationId xmlns:a16="http://schemas.microsoft.com/office/drawing/2014/main" id="{AE3A741D-C19B-960A-5803-1C5887147820}"/>
               </a:ext>
               <a:ext uri="{C183D7F6-B498-43B3-948B-1728B52AA6E4}">
                 <adec:decorative xmlns:adec="http://schemas.microsoft.com/office/drawing/2017/decorative" val="1"/>
@@ -7520,13 +7723,26 @@
           </p:nvPr>
         </p:nvSpPr>
         <p:spPr>
-          <a:xfrm>
-            <a:off x="305" y="0"/>
-            <a:ext cx="12191695" cy="6858000"/>
+          <a:xfrm rot="5400000">
+            <a:off x="2879677" y="2347416"/>
+            <a:ext cx="1630908" cy="7390262"/>
           </a:xfrm>
           <a:prstGeom prst="rect">
             <a:avLst/>
           </a:prstGeom>
+          <a:gradFill>
+            <a:gsLst>
+              <a:gs pos="0">
+                <a:schemeClr val="accent5"/>
+              </a:gs>
+              <a:gs pos="47000">
+                <a:schemeClr val="accent2">
+                  <a:alpha val="0"/>
+                </a:schemeClr>
+              </a:gs>
+            </a:gsLst>
+            <a:lin ang="11400000" scaled="0"/>
+          </a:gradFill>
           <a:ln>
             <a:noFill/>
           </a:ln>
@@ -7551,91 +7767,17 @@
           <a:bodyPr rtlCol="0" anchor="ctr"/>
           <a:lstStyle/>
           <a:p>
-            <a:pPr marL="0" marR="0" lvl="0" indent="0" algn="ctr" defTabSz="457200" rtl="0" eaLnBrk="1" fontAlgn="auto" latinLnBrk="0" hangingPunct="1">
-              <a:lnSpc>
-                <a:spcPct val="100000"/>
-              </a:lnSpc>
-              <a:spcBef>
-                <a:spcPts val="0"/>
-              </a:spcBef>
-              <a:spcAft>
-                <a:spcPts val="0"/>
-              </a:spcAft>
-              <a:buClrTx/>
-              <a:buSzTx/>
-              <a:buFontTx/>
-              <a:buNone/>
-              <a:tabLst/>
-              <a:defRPr/>
-            </a:pPr>
-            <a:endParaRPr kumimoji="0" lang="en-US" sz="1800" b="0" i="0" u="none" strike="noStrike" kern="1200" cap="none" spc="0" normalizeH="0" baseline="0" noProof="0">
-              <a:ln>
-                <a:noFill/>
-              </a:ln>
-              <a:solidFill>
-                <a:prstClr val="white"/>
-              </a:solidFill>
-              <a:effectLst/>
-              <a:uLnTx/>
-              <a:uFillTx/>
-              <a:latin typeface="Meiryo"/>
-              <a:ea typeface="+mn-ea"/>
-              <a:cs typeface="+mn-cs"/>
-            </a:endParaRPr>
+            <a:pPr algn="ctr"/>
+            <a:endParaRPr lang="en-US"/>
           </a:p>
         </p:txBody>
       </p:sp>
-      <p:pic>
-        <p:nvPicPr>
-          <p:cNvPr id="2050" name="Picture 2" descr="Alles was Sie über Social Media Marketing wissen müssen – COPE Content  Performance Group">
+      <p:sp>
+        <p:nvSpPr>
+          <p:cNvPr id="2094" name="Rectangle 2093">
             <a:extLst>
               <a:ext uri="{FF2B5EF4-FFF2-40B4-BE49-F238E27FC236}">
-                <a16:creationId xmlns:a16="http://schemas.microsoft.com/office/drawing/2014/main" id="{949B8B60-BB81-DFD1-D032-47F8C107398A}"/>
-              </a:ext>
-            </a:extLst>
-          </p:cNvPr>
-          <p:cNvPicPr>
-            <a:picLocks noChangeAspect="1" noChangeArrowheads="1"/>
-          </p:cNvPicPr>
-          <p:nvPr/>
-        </p:nvPicPr>
-        <p:blipFill rotWithShape="1">
-          <a:blip r:embed="rId2">
-            <a:extLst>
-              <a:ext uri="{28A0092B-C50C-407E-A947-70E740481C1C}">
-                <a14:useLocalDpi xmlns:a14="http://schemas.microsoft.com/office/drawing/2010/main" val="0"/>
-              </a:ext>
-            </a:extLst>
-          </a:blip>
-          <a:srcRect l="15508" r="2905"/>
-          <a:stretch/>
-        </p:blipFill>
-        <p:spPr bwMode="auto">
-          <a:xfrm>
-            <a:off x="20" y="10"/>
-            <a:ext cx="9947062" cy="6857990"/>
-          </a:xfrm>
-          <a:prstGeom prst="rect">
-            <a:avLst/>
-          </a:prstGeom>
-          <a:noFill/>
-          <a:extLst>
-            <a:ext uri="{909E8E84-426E-40DD-AFC4-6F175D3DCCD1}">
-              <a14:hiddenFill xmlns:a14="http://schemas.microsoft.com/office/drawing/2010/main">
-                <a:solidFill>
-                  <a:srgbClr val="FFFFFF"/>
-                </a:solidFill>
-              </a14:hiddenFill>
-            </a:ext>
-          </a:extLst>
-        </p:spPr>
-      </p:pic>
-      <p:sp>
-        <p:nvSpPr>
-          <p:cNvPr id="2080" name="Freeform: Shape 2079">
-            <a:extLst>
-              <a:ext uri="{FF2B5EF4-FFF2-40B4-BE49-F238E27FC236}">
-                <a16:creationId xmlns:a16="http://schemas.microsoft.com/office/drawing/2014/main" id="{5871FC61-DD4E-47D4-81FD-8A7E7D12B371}"/>
+                <a16:creationId xmlns:a16="http://schemas.microsoft.com/office/drawing/2014/main" id="{DC39DE25-0E4E-0AA7-0932-1D78C2372786}"/>
               </a:ext>
               <a:ext uri="{C183D7F6-B498-43B3-948B-1728B52AA6E4}">
                 <adec:decorative xmlns:adec="http://schemas.microsoft.com/office/drawing/2017/decorative" val="1"/>
@@ -7654,134 +7796,33 @@
           </p:nvPr>
         </p:nvSpPr>
         <p:spPr>
-          <a:xfrm flipH="1">
-            <a:off x="6986049" y="0"/>
-            <a:ext cx="5205951" cy="6858000"/>
+          <a:xfrm rot="5400000" flipH="1" flipV="1">
+            <a:off x="-1919061" y="1919060"/>
+            <a:ext cx="6854280" cy="3016159"/>
           </a:xfrm>
-          <a:custGeom>
+          <a:prstGeom prst="rect">
             <a:avLst/>
-            <a:gdLst>
-              <a:gd name="connsiteX0" fmla="*/ 0 w 5205951"/>
-              <a:gd name="connsiteY0" fmla="*/ 0 h 6858000"/>
-              <a:gd name="connsiteX1" fmla="*/ 1709529 w 5205951"/>
-              <a:gd name="connsiteY1" fmla="*/ 0 h 6858000"/>
-              <a:gd name="connsiteX2" fmla="*/ 2489695 w 5205951"/>
-              <a:gd name="connsiteY2" fmla="*/ 0 h 6858000"/>
-              <a:gd name="connsiteX3" fmla="*/ 3582928 w 5205951"/>
-              <a:gd name="connsiteY3" fmla="*/ 0 h 6858000"/>
-              <a:gd name="connsiteX4" fmla="*/ 3605052 w 5205951"/>
-              <a:gd name="connsiteY4" fmla="*/ 14997 h 6858000"/>
-              <a:gd name="connsiteX5" fmla="*/ 5205951 w 5205951"/>
-              <a:gd name="connsiteY5" fmla="*/ 3621656 h 6858000"/>
-              <a:gd name="connsiteX6" fmla="*/ 3331601 w 5205951"/>
-              <a:gd name="connsiteY6" fmla="*/ 6374814 h 6858000"/>
-              <a:gd name="connsiteX7" fmla="*/ 2814953 w 5205951"/>
-              <a:gd name="connsiteY7" fmla="*/ 6780599 h 6858000"/>
-              <a:gd name="connsiteX8" fmla="*/ 2703197 w 5205951"/>
-              <a:gd name="connsiteY8" fmla="*/ 6858000 h 6858000"/>
-              <a:gd name="connsiteX9" fmla="*/ 2489695 w 5205951"/>
-              <a:gd name="connsiteY9" fmla="*/ 6858000 h 6858000"/>
-              <a:gd name="connsiteX10" fmla="*/ 1709529 w 5205951"/>
-              <a:gd name="connsiteY10" fmla="*/ 6858000 h 6858000"/>
-              <a:gd name="connsiteX11" fmla="*/ 0 w 5205951"/>
-              <a:gd name="connsiteY11" fmla="*/ 6858000 h 6858000"/>
-            </a:gdLst>
-            <a:ahLst/>
-            <a:cxnLst>
-              <a:cxn ang="0">
-                <a:pos x="connsiteX0" y="connsiteY0"/>
-              </a:cxn>
-              <a:cxn ang="0">
-                <a:pos x="connsiteX1" y="connsiteY1"/>
-              </a:cxn>
-              <a:cxn ang="0">
-                <a:pos x="connsiteX2" y="connsiteY2"/>
-              </a:cxn>
-              <a:cxn ang="0">
-                <a:pos x="connsiteX3" y="connsiteY3"/>
-              </a:cxn>
-              <a:cxn ang="0">
-                <a:pos x="connsiteX4" y="connsiteY4"/>
-              </a:cxn>
-              <a:cxn ang="0">
-                <a:pos x="connsiteX5" y="connsiteY5"/>
-              </a:cxn>
-              <a:cxn ang="0">
-                <a:pos x="connsiteX6" y="connsiteY6"/>
-              </a:cxn>
-              <a:cxn ang="0">
-                <a:pos x="connsiteX7" y="connsiteY7"/>
-              </a:cxn>
-              <a:cxn ang="0">
-                <a:pos x="connsiteX8" y="connsiteY8"/>
-              </a:cxn>
-              <a:cxn ang="0">
-                <a:pos x="connsiteX9" y="connsiteY9"/>
-              </a:cxn>
-              <a:cxn ang="0">
-                <a:pos x="connsiteX10" y="connsiteY10"/>
-              </a:cxn>
-              <a:cxn ang="0">
-                <a:pos x="connsiteX11" y="connsiteY11"/>
-              </a:cxn>
-            </a:cxnLst>
-            <a:rect l="l" t="t" r="r" b="b"/>
-            <a:pathLst>
-              <a:path w="5205951" h="6858000">
-                <a:moveTo>
-                  <a:pt x="0" y="0"/>
-                </a:moveTo>
-                <a:lnTo>
-                  <a:pt x="1709529" y="0"/>
-                </a:lnTo>
-                <a:lnTo>
-                  <a:pt x="2489695" y="0"/>
-                </a:lnTo>
-                <a:lnTo>
-                  <a:pt x="3582928" y="0"/>
-                </a:lnTo>
-                <a:lnTo>
-                  <a:pt x="3605052" y="14997"/>
-                </a:lnTo>
-                <a:cubicBezTo>
-                  <a:pt x="4632215" y="754641"/>
-                  <a:pt x="5205951" y="2093192"/>
-                  <a:pt x="5205951" y="3621656"/>
-                </a:cubicBezTo>
-                <a:cubicBezTo>
-                  <a:pt x="5205951" y="4969131"/>
-                  <a:pt x="4277226" y="5602839"/>
-                  <a:pt x="3331601" y="6374814"/>
-                </a:cubicBezTo>
-                <a:cubicBezTo>
-                  <a:pt x="3159398" y="6515397"/>
-                  <a:pt x="2988771" y="6653108"/>
-                  <a:pt x="2814953" y="6780599"/>
-                </a:cubicBezTo>
-                <a:lnTo>
-                  <a:pt x="2703197" y="6858000"/>
-                </a:lnTo>
-                <a:lnTo>
-                  <a:pt x="2489695" y="6858000"/>
-                </a:lnTo>
-                <a:lnTo>
-                  <a:pt x="1709529" y="6858000"/>
-                </a:lnTo>
-                <a:lnTo>
-                  <a:pt x="0" y="6858000"/>
-                </a:lnTo>
-                <a:close/>
-              </a:path>
-            </a:pathLst>
-          </a:custGeom>
-          <a:solidFill>
-            <a:srgbClr val="FFFFFF">
-              <a:alpha val="60000"/>
-            </a:srgbClr>
-          </a:solidFill>
-          <a:ln>
+          </a:prstGeom>
+          <a:gradFill flip="none" rotWithShape="1">
+            <a:gsLst>
+              <a:gs pos="0">
+                <a:schemeClr val="accent5"/>
+              </a:gs>
+              <a:gs pos="47000">
+                <a:schemeClr val="accent2">
+                  <a:alpha val="0"/>
+                </a:schemeClr>
+              </a:gs>
+            </a:gsLst>
+            <a:lin ang="4200000" scaled="0"/>
+            <a:tileRect/>
+          </a:gradFill>
+          <a:ln w="12700" cap="flat" cmpd="sng" algn="ctr">
             <a:noFill/>
+            <a:prstDash val="solid"/>
+            <a:miter lim="800000"/>
           </a:ln>
+          <a:effectLst/>
         </p:spPr>
         <p:style>
           <a:lnRef idx="2">
@@ -7800,22 +7841,20 @@
           </a:fontRef>
         </p:style>
         <p:txBody>
-          <a:bodyPr wrap="square" rtlCol="0" anchor="ctr">
-            <a:noAutofit/>
-          </a:bodyPr>
+          <a:bodyPr rtlCol="0" anchor="ctr"/>
           <a:lstStyle/>
           <a:p>
-            <a:pPr algn="ctr"/>
+            <a:pPr algn="r"/>
             <a:endParaRPr lang="en-US"/>
           </a:p>
         </p:txBody>
       </p:sp>
-      <p:sp useBgFill="1">
+      <p:sp>
         <p:nvSpPr>
-          <p:cNvPr id="2082" name="Freeform: Shape 2081">
+          <p:cNvPr id="2096" name="Rectangle 2095">
             <a:extLst>
               <a:ext uri="{FF2B5EF4-FFF2-40B4-BE49-F238E27FC236}">
-                <a16:creationId xmlns:a16="http://schemas.microsoft.com/office/drawing/2014/main" id="{F9EC3F91-A75C-4F74-867E-E4C28C13546B}"/>
+                <a16:creationId xmlns:a16="http://schemas.microsoft.com/office/drawing/2014/main" id="{8D6EA299-0840-6DEA-E670-C49AEBC87E89}"/>
               </a:ext>
               <a:ext uri="{C183D7F6-B498-43B3-948B-1728B52AA6E4}">
                 <adec:decorative xmlns:adec="http://schemas.microsoft.com/office/drawing/2017/decorative" val="1"/>
@@ -7834,199 +7873,37 @@
           </p:nvPr>
         </p:nvSpPr>
         <p:spPr>
-          <a:xfrm>
-            <a:off x="7148226" y="0"/>
-            <a:ext cx="5043774" cy="6858000"/>
+          <a:xfrm rot="10800000">
+            <a:off x="4461657" y="4425055"/>
+            <a:ext cx="2928605" cy="2432945"/>
           </a:xfrm>
-          <a:custGeom>
+          <a:prstGeom prst="rect">
             <a:avLst/>
-            <a:gdLst>
-              <a:gd name="connsiteX0" fmla="*/ 1648981 w 5043774"/>
-              <a:gd name="connsiteY0" fmla="*/ 0 h 6858000"/>
-              <a:gd name="connsiteX1" fmla="*/ 2759699 w 5043774"/>
-              <a:gd name="connsiteY1" fmla="*/ 0 h 6858000"/>
-              <a:gd name="connsiteX2" fmla="*/ 3379301 w 5043774"/>
-              <a:gd name="connsiteY2" fmla="*/ 0 h 6858000"/>
-              <a:gd name="connsiteX3" fmla="*/ 3552342 w 5043774"/>
-              <a:gd name="connsiteY3" fmla="*/ 0 h 6858000"/>
-              <a:gd name="connsiteX4" fmla="*/ 4617166 w 5043774"/>
-              <a:gd name="connsiteY4" fmla="*/ 0 h 6858000"/>
-              <a:gd name="connsiteX5" fmla="*/ 4786130 w 5043774"/>
-              <a:gd name="connsiteY5" fmla="*/ 0 h 6858000"/>
-              <a:gd name="connsiteX6" fmla="*/ 4980168 w 5043774"/>
-              <a:gd name="connsiteY6" fmla="*/ 0 h 6858000"/>
-              <a:gd name="connsiteX7" fmla="*/ 5043774 w 5043774"/>
-              <a:gd name="connsiteY7" fmla="*/ 0 h 6858000"/>
-              <a:gd name="connsiteX8" fmla="*/ 5043774 w 5043774"/>
-              <a:gd name="connsiteY8" fmla="*/ 6858000 h 6858000"/>
-              <a:gd name="connsiteX9" fmla="*/ 4980168 w 5043774"/>
-              <a:gd name="connsiteY9" fmla="*/ 6858000 h 6858000"/>
-              <a:gd name="connsiteX10" fmla="*/ 4786130 w 5043774"/>
-              <a:gd name="connsiteY10" fmla="*/ 6858000 h 6858000"/>
-              <a:gd name="connsiteX11" fmla="*/ 4617166 w 5043774"/>
-              <a:gd name="connsiteY11" fmla="*/ 6858000 h 6858000"/>
-              <a:gd name="connsiteX12" fmla="*/ 3552342 w 5043774"/>
-              <a:gd name="connsiteY12" fmla="*/ 6858000 h 6858000"/>
-              <a:gd name="connsiteX13" fmla="*/ 3379301 w 5043774"/>
-              <a:gd name="connsiteY13" fmla="*/ 6858000 h 6858000"/>
-              <a:gd name="connsiteX14" fmla="*/ 2759699 w 5043774"/>
-              <a:gd name="connsiteY14" fmla="*/ 6858000 h 6858000"/>
-              <a:gd name="connsiteX15" fmla="*/ 2542782 w 5043774"/>
-              <a:gd name="connsiteY15" fmla="*/ 6858000 h 6858000"/>
-              <a:gd name="connsiteX16" fmla="*/ 2429239 w 5043774"/>
-              <a:gd name="connsiteY16" fmla="*/ 6780599 h 6858000"/>
-              <a:gd name="connsiteX17" fmla="*/ 1904328 w 5043774"/>
-              <a:gd name="connsiteY17" fmla="*/ 6374814 h 6858000"/>
-              <a:gd name="connsiteX18" fmla="*/ 0 w 5043774"/>
-              <a:gd name="connsiteY18" fmla="*/ 3621656 h 6858000"/>
-              <a:gd name="connsiteX19" fmla="*/ 1626503 w 5043774"/>
-              <a:gd name="connsiteY19" fmla="*/ 14997 h 6858000"/>
-            </a:gdLst>
-            <a:ahLst/>
-            <a:cxnLst>
-              <a:cxn ang="0">
-                <a:pos x="connsiteX0" y="connsiteY0"/>
-              </a:cxn>
-              <a:cxn ang="0">
-                <a:pos x="connsiteX1" y="connsiteY1"/>
-              </a:cxn>
-              <a:cxn ang="0">
-                <a:pos x="connsiteX2" y="connsiteY2"/>
-              </a:cxn>
-              <a:cxn ang="0">
-                <a:pos x="connsiteX3" y="connsiteY3"/>
-              </a:cxn>
-              <a:cxn ang="0">
-                <a:pos x="connsiteX4" y="connsiteY4"/>
-              </a:cxn>
-              <a:cxn ang="0">
-                <a:pos x="connsiteX5" y="connsiteY5"/>
-              </a:cxn>
-              <a:cxn ang="0">
-                <a:pos x="connsiteX6" y="connsiteY6"/>
-              </a:cxn>
-              <a:cxn ang="0">
-                <a:pos x="connsiteX7" y="connsiteY7"/>
-              </a:cxn>
-              <a:cxn ang="0">
-                <a:pos x="connsiteX8" y="connsiteY8"/>
-              </a:cxn>
-              <a:cxn ang="0">
-                <a:pos x="connsiteX9" y="connsiteY9"/>
-              </a:cxn>
-              <a:cxn ang="0">
-                <a:pos x="connsiteX10" y="connsiteY10"/>
-              </a:cxn>
-              <a:cxn ang="0">
-                <a:pos x="connsiteX11" y="connsiteY11"/>
-              </a:cxn>
-              <a:cxn ang="0">
-                <a:pos x="connsiteX12" y="connsiteY12"/>
-              </a:cxn>
-              <a:cxn ang="0">
-                <a:pos x="connsiteX13" y="connsiteY13"/>
-              </a:cxn>
-              <a:cxn ang="0">
-                <a:pos x="connsiteX14" y="connsiteY14"/>
-              </a:cxn>
-              <a:cxn ang="0">
-                <a:pos x="connsiteX15" y="connsiteY15"/>
-              </a:cxn>
-              <a:cxn ang="0">
-                <a:pos x="connsiteX16" y="connsiteY16"/>
-              </a:cxn>
-              <a:cxn ang="0">
-                <a:pos x="connsiteX17" y="connsiteY17"/>
-              </a:cxn>
-              <a:cxn ang="0">
-                <a:pos x="connsiteX18" y="connsiteY18"/>
-              </a:cxn>
-              <a:cxn ang="0">
-                <a:pos x="connsiteX19" y="connsiteY19"/>
-              </a:cxn>
-            </a:cxnLst>
-            <a:rect l="l" t="t" r="r" b="b"/>
-            <a:pathLst>
-              <a:path w="5043774" h="6858000">
-                <a:moveTo>
-                  <a:pt x="1648981" y="0"/>
-                </a:moveTo>
-                <a:lnTo>
-                  <a:pt x="2759699" y="0"/>
-                </a:lnTo>
-                <a:lnTo>
-                  <a:pt x="3379301" y="0"/>
-                </a:lnTo>
-                <a:lnTo>
-                  <a:pt x="3552342" y="0"/>
-                </a:lnTo>
-                <a:lnTo>
-                  <a:pt x="4617166" y="0"/>
-                </a:lnTo>
-                <a:lnTo>
-                  <a:pt x="4786130" y="0"/>
-                </a:lnTo>
-                <a:lnTo>
-                  <a:pt x="4980168" y="0"/>
-                </a:lnTo>
-                <a:lnTo>
-                  <a:pt x="5043774" y="0"/>
-                </a:lnTo>
-                <a:lnTo>
-                  <a:pt x="5043774" y="6858000"/>
-                </a:lnTo>
-                <a:lnTo>
-                  <a:pt x="4980168" y="6858000"/>
-                </a:lnTo>
-                <a:lnTo>
-                  <a:pt x="4786130" y="6858000"/>
-                </a:lnTo>
-                <a:lnTo>
-                  <a:pt x="4617166" y="6858000"/>
-                </a:lnTo>
-                <a:lnTo>
-                  <a:pt x="3552342" y="6858000"/>
-                </a:lnTo>
-                <a:lnTo>
-                  <a:pt x="3379301" y="6858000"/>
-                </a:lnTo>
-                <a:lnTo>
-                  <a:pt x="2759699" y="6858000"/>
-                </a:lnTo>
-                <a:lnTo>
-                  <a:pt x="2542782" y="6858000"/>
-                </a:lnTo>
-                <a:lnTo>
-                  <a:pt x="2429239" y="6780599"/>
-                </a:lnTo>
-                <a:cubicBezTo>
-                  <a:pt x="2252641" y="6653108"/>
-                  <a:pt x="2079285" y="6515397"/>
-                  <a:pt x="1904328" y="6374814"/>
-                </a:cubicBezTo>
-                <a:cubicBezTo>
-                  <a:pt x="943579" y="5602839"/>
-                  <a:pt x="0" y="4969131"/>
-                  <a:pt x="0" y="3621656"/>
-                </a:cubicBezTo>
-                <a:cubicBezTo>
-                  <a:pt x="0" y="2093192"/>
-                  <a:pt x="582912" y="754641"/>
-                  <a:pt x="1626503" y="14997"/>
-                </a:cubicBezTo>
-                <a:close/>
-              </a:path>
-            </a:pathLst>
-          </a:custGeom>
-          <a:solidFill>
-            <a:schemeClr val="bg2">
-              <a:tint val="95000"/>
-              <a:satMod val="170000"/>
-            </a:schemeClr>
-          </a:solidFill>
-          <a:ln>
+          </a:prstGeom>
+          <a:gradFill flip="none" rotWithShape="1">
+            <a:gsLst>
+              <a:gs pos="0">
+                <a:schemeClr val="accent2"/>
+              </a:gs>
+              <a:gs pos="51000">
+                <a:schemeClr val="accent5">
+                  <a:lumMod val="60000"/>
+                  <a:lumOff val="40000"/>
+                  <a:alpha val="0"/>
+                </a:schemeClr>
+              </a:gs>
+            </a:gsLst>
+            <a:path path="circle">
+              <a:fillToRect r="100000" b="100000"/>
+            </a:path>
+            <a:tileRect l="-100000" t="-100000"/>
+          </a:gradFill>
+          <a:ln w="12700" cap="flat" cmpd="sng" algn="ctr">
             <a:noFill/>
+            <a:prstDash val="solid"/>
+            <a:miter lim="800000"/>
           </a:ln>
+          <a:effectLst/>
         </p:spPr>
         <p:style>
           <a:lnRef idx="2">
@@ -8045,268 +7922,11 @@
           </a:fontRef>
         </p:style>
         <p:txBody>
-          <a:bodyPr wrap="square" rtlCol="0" anchor="ctr">
-            <a:noAutofit/>
-          </a:bodyPr>
+          <a:bodyPr rtlCol="0" anchor="ctr"/>
           <a:lstStyle/>
           <a:p>
-            <a:pPr algn="ctr"/>
-            <a:endParaRPr lang="en-US">
-              <a:solidFill>
-                <a:prstClr val="white"/>
-              </a:solidFill>
-              <a:latin typeface="Meiryo"/>
-            </a:endParaRPr>
-          </a:p>
-        </p:txBody>
-      </p:sp>
-      <p:sp>
-        <p:nvSpPr>
-          <p:cNvPr id="2084" name="Freeform: Shape 2083">
-            <a:extLst>
-              <a:ext uri="{FF2B5EF4-FFF2-40B4-BE49-F238E27FC236}">
-                <a16:creationId xmlns:a16="http://schemas.microsoft.com/office/drawing/2014/main" id="{829A1E2C-5AC8-40FC-99E9-832069D39792}"/>
-              </a:ext>
-              <a:ext uri="{C183D7F6-B498-43B3-948B-1728B52AA6E4}">
-                <adec:decorative xmlns:adec="http://schemas.microsoft.com/office/drawing/2017/decorative" val="1"/>
-              </a:ext>
-            </a:extLst>
-          </p:cNvPr>
-          <p:cNvSpPr>
-            <a:spLocks noGrp="1" noRot="1" noChangeAspect="1" noMove="1" noResize="1" noEditPoints="1" noAdjustHandles="1" noChangeArrowheads="1" noChangeShapeType="1" noTextEdit="1"/>
-          </p:cNvSpPr>
-          <p:nvPr>
-            <p:extLst>
-              <p:ext uri="{386F3935-93C4-4BCD-93E2-E3B085C9AB24}">
-                <p16:designElem xmlns:p16="http://schemas.microsoft.com/office/powerpoint/2015/main" val="1"/>
-              </p:ext>
-            </p:extLst>
-          </p:nvPr>
-        </p:nvSpPr>
-        <p:spPr>
-          <a:xfrm flipH="1">
-            <a:off x="6697013" y="0"/>
-            <a:ext cx="2529723" cy="6858000"/>
-          </a:xfrm>
-          <a:custGeom>
-            <a:avLst/>
-            <a:gdLst>
-              <a:gd name="connsiteX0" fmla="*/ 1258269 w 2529723"/>
-              <a:gd name="connsiteY0" fmla="*/ 0 h 6858000"/>
-              <a:gd name="connsiteX1" fmla="*/ 1275627 w 2529723"/>
-              <a:gd name="connsiteY1" fmla="*/ 0 h 6858000"/>
-              <a:gd name="connsiteX2" fmla="*/ 1302560 w 2529723"/>
-              <a:gd name="connsiteY2" fmla="*/ 24338 h 6858000"/>
-              <a:gd name="connsiteX3" fmla="*/ 2522825 w 2529723"/>
-              <a:gd name="connsiteY3" fmla="*/ 3678515 h 6858000"/>
-              <a:gd name="connsiteX4" fmla="*/ 557500 w 2529723"/>
-              <a:gd name="connsiteY4" fmla="*/ 6451411 h 6858000"/>
-              <a:gd name="connsiteX5" fmla="*/ 32482 w 2529723"/>
-              <a:gd name="connsiteY5" fmla="*/ 6849373 h 6858000"/>
-              <a:gd name="connsiteX6" fmla="*/ 19531 w 2529723"/>
-              <a:gd name="connsiteY6" fmla="*/ 6858000 h 6858000"/>
-              <a:gd name="connsiteX7" fmla="*/ 0 w 2529723"/>
-              <a:gd name="connsiteY7" fmla="*/ 6858000 h 6858000"/>
-              <a:gd name="connsiteX8" fmla="*/ 14202 w 2529723"/>
-              <a:gd name="connsiteY8" fmla="*/ 6848540 h 6858000"/>
-              <a:gd name="connsiteX9" fmla="*/ 539221 w 2529723"/>
-              <a:gd name="connsiteY9" fmla="*/ 6450578 h 6858000"/>
-              <a:gd name="connsiteX10" fmla="*/ 2504546 w 2529723"/>
-              <a:gd name="connsiteY10" fmla="*/ 3677682 h 6858000"/>
-              <a:gd name="connsiteX11" fmla="*/ 1284280 w 2529723"/>
-              <a:gd name="connsiteY11" fmla="*/ 23504 h 6858000"/>
-            </a:gdLst>
-            <a:ahLst/>
-            <a:cxnLst>
-              <a:cxn ang="0">
-                <a:pos x="connsiteX0" y="connsiteY0"/>
-              </a:cxn>
-              <a:cxn ang="0">
-                <a:pos x="connsiteX1" y="connsiteY1"/>
-              </a:cxn>
-              <a:cxn ang="0">
-                <a:pos x="connsiteX2" y="connsiteY2"/>
-              </a:cxn>
-              <a:cxn ang="0">
-                <a:pos x="connsiteX3" y="connsiteY3"/>
-              </a:cxn>
-              <a:cxn ang="0">
-                <a:pos x="connsiteX4" y="connsiteY4"/>
-              </a:cxn>
-              <a:cxn ang="0">
-                <a:pos x="connsiteX5" y="connsiteY5"/>
-              </a:cxn>
-              <a:cxn ang="0">
-                <a:pos x="connsiteX6" y="connsiteY6"/>
-              </a:cxn>
-              <a:cxn ang="0">
-                <a:pos x="connsiteX7" y="connsiteY7"/>
-              </a:cxn>
-              <a:cxn ang="0">
-                <a:pos x="connsiteX8" y="connsiteY8"/>
-              </a:cxn>
-              <a:cxn ang="0">
-                <a:pos x="connsiteX9" y="connsiteY9"/>
-              </a:cxn>
-              <a:cxn ang="0">
-                <a:pos x="connsiteX10" y="connsiteY10"/>
-              </a:cxn>
-              <a:cxn ang="0">
-                <a:pos x="connsiteX11" y="connsiteY11"/>
-              </a:cxn>
-            </a:cxnLst>
-            <a:rect l="l" t="t" r="r" b="b"/>
-            <a:pathLst>
-              <a:path w="2529723" h="6858000">
-                <a:moveTo>
-                  <a:pt x="1258269" y="0"/>
-                </a:moveTo>
-                <a:lnTo>
-                  <a:pt x="1275627" y="0"/>
-                </a:lnTo>
-                <a:lnTo>
-                  <a:pt x="1302560" y="24338"/>
-                </a:lnTo>
-                <a:cubicBezTo>
-                  <a:pt x="2156831" y="855667"/>
-                  <a:pt x="2590622" y="2191755"/>
-                  <a:pt x="2522825" y="3678515"/>
-                </a:cubicBezTo>
-                <a:cubicBezTo>
-                  <a:pt x="2459072" y="5076606"/>
-                  <a:pt x="1519830" y="5692656"/>
-                  <a:pt x="557500" y="6451411"/>
-                </a:cubicBezTo>
-                <a:cubicBezTo>
-                  <a:pt x="382255" y="6589587"/>
-                  <a:pt x="208689" y="6724853"/>
-                  <a:pt x="32482" y="6849373"/>
-                </a:cubicBezTo>
-                <a:lnTo>
-                  <a:pt x="19531" y="6858000"/>
-                </a:lnTo>
-                <a:lnTo>
-                  <a:pt x="0" y="6858000"/>
-                </a:lnTo>
-                <a:lnTo>
-                  <a:pt x="14202" y="6848540"/>
-                </a:lnTo>
-                <a:cubicBezTo>
-                  <a:pt x="190409" y="6724020"/>
-                  <a:pt x="363976" y="6588754"/>
-                  <a:pt x="539221" y="6450578"/>
-                </a:cubicBezTo>
-                <a:cubicBezTo>
-                  <a:pt x="1501550" y="5691822"/>
-                  <a:pt x="2440792" y="5075773"/>
-                  <a:pt x="2504546" y="3677682"/>
-                </a:cubicBezTo>
-                <a:cubicBezTo>
-                  <a:pt x="2572343" y="2190921"/>
-                  <a:pt x="2138551" y="854834"/>
-                  <a:pt x="1284280" y="23504"/>
-                </a:cubicBezTo>
-                <a:close/>
-              </a:path>
-            </a:pathLst>
-          </a:custGeom>
-          <a:solidFill>
-            <a:srgbClr val="FFFFFF">
-              <a:alpha val="70000"/>
-            </a:srgbClr>
-          </a:solidFill>
-          <a:ln>
-            <a:noFill/>
-          </a:ln>
-        </p:spPr>
-        <p:style>
-          <a:lnRef idx="2">
-            <a:schemeClr val="accent1">
-              <a:shade val="50000"/>
-            </a:schemeClr>
-          </a:lnRef>
-          <a:fillRef idx="1">
-            <a:schemeClr val="accent1"/>
-          </a:fillRef>
-          <a:effectRef idx="0">
-            <a:schemeClr val="accent1"/>
-          </a:effectRef>
-          <a:fontRef idx="minor">
-            <a:schemeClr val="lt1"/>
-          </a:fontRef>
-        </p:style>
-        <p:txBody>
-          <a:bodyPr wrap="square" rtlCol="0" anchor="ctr">
-            <a:noAutofit/>
-          </a:bodyPr>
-          <a:lstStyle/>
-          <a:p>
-            <a:pPr marL="0" marR="0" lvl="0" indent="0" algn="ctr" defTabSz="457200" rtl="0" eaLnBrk="1" fontAlgn="auto" latinLnBrk="0" hangingPunct="1">
-              <a:lnSpc>
-                <a:spcPct val="100000"/>
-              </a:lnSpc>
-              <a:spcBef>
-                <a:spcPts val="0"/>
-              </a:spcBef>
-              <a:spcAft>
-                <a:spcPts val="0"/>
-              </a:spcAft>
-              <a:buClrTx/>
-              <a:buSzTx/>
-              <a:buFontTx/>
-              <a:buNone/>
-              <a:tabLst/>
-              <a:defRPr/>
-            </a:pPr>
-            <a:endParaRPr kumimoji="0" lang="en-US" sz="1800" b="0" i="0" u="none" strike="noStrike" kern="1200" cap="none" spc="0" normalizeH="0" baseline="0" noProof="0">
-              <a:ln>
-                <a:noFill/>
-              </a:ln>
-              <a:solidFill>
-                <a:prstClr val="white"/>
-              </a:solidFill>
-              <a:effectLst/>
-              <a:uLnTx/>
-              <a:uFillTx/>
-              <a:latin typeface="Meiryo"/>
-              <a:ea typeface="+mn-ea"/>
-              <a:cs typeface="+mn-cs"/>
-            </a:endParaRPr>
-          </a:p>
-        </p:txBody>
-      </p:sp>
-      <p:sp>
-        <p:nvSpPr>
-          <p:cNvPr id="2" name="Titel 1">
-            <a:extLst>
-              <a:ext uri="{FF2B5EF4-FFF2-40B4-BE49-F238E27FC236}">
-                <a16:creationId xmlns:a16="http://schemas.microsoft.com/office/drawing/2014/main" id="{303EFF36-1A3F-2040-A5A9-9E88B2D8FCDA}"/>
-              </a:ext>
-            </a:extLst>
-          </p:cNvPr>
-          <p:cNvSpPr>
-            <a:spLocks noGrp="1"/>
-          </p:cNvSpPr>
-          <p:nvPr>
-            <p:ph type="title"/>
-          </p:nvPr>
-        </p:nvSpPr>
-        <p:spPr>
-          <a:xfrm>
-            <a:off x="8046720" y="1045597"/>
-            <a:ext cx="3633746" cy="1588422"/>
-          </a:xfrm>
-        </p:spPr>
-        <p:txBody>
-          <a:bodyPr anchor="b">
-            <a:normAutofit/>
-          </a:bodyPr>
-          <a:lstStyle/>
-          <a:p>
-            <a:r>
-              <a:rPr lang="de-CH" sz="3600"/>
-              <a:t>Inhaltsverzeichnis</a:t>
-            </a:r>
+            <a:pPr algn="r"/>
+            <a:endParaRPr lang="en-US"/>
           </a:p>
         </p:txBody>
       </p:sp>
@@ -8328,12 +7948,12 @@
         </p:nvSpPr>
         <p:spPr>
           <a:xfrm>
-            <a:off x="8046719" y="2722729"/>
-            <a:ext cx="3633747" cy="2700062"/>
+            <a:off x="8079978" y="2533476"/>
+            <a:ext cx="3369234" cy="3447832"/>
           </a:xfrm>
         </p:spPr>
         <p:txBody>
-          <a:bodyPr>
+          <a:bodyPr anchor="t">
             <a:normAutofit/>
           </a:bodyPr>
           <a:lstStyle/>
@@ -8348,18 +7968,39 @@
               <a:rPr lang="de-CH" sz="2000"/>
               <a:t>Posts</a:t>
             </a:r>
+            <a:endParaRPr lang="de-CH" sz="2000">
+              <a:ea typeface="Calibri"/>
+              <a:cs typeface="Calibri"/>
+            </a:endParaRPr>
           </a:p>
           <a:p>
             <a:r>
               <a:rPr lang="de-CH" sz="2000"/>
-              <a:t>Nutzerdaten </a:t>
-            </a:r>
+              <a:t>Nutzerdaten </a:t>
+            </a:r>
+            <a:endParaRPr lang="de-CH" sz="2000">
+              <a:ea typeface="Calibri"/>
+              <a:cs typeface="Calibri"/>
+            </a:endParaRPr>
           </a:p>
           <a:p>
             <a:r>
               <a:rPr lang="de-CH" sz="2000"/>
-              <a:t>Finanzierung </a:t>
-            </a:r>
+              <a:t>Finanzierung </a:t>
+            </a:r>
+            <a:endParaRPr lang="de-CH" sz="2000">
+              <a:ea typeface="Calibri"/>
+              <a:cs typeface="Calibri"/>
+            </a:endParaRPr>
+          </a:p>
+          <a:p>
+            <a:pPr marL="0" indent="0">
+              <a:buNone/>
+            </a:pPr>
+            <a:endParaRPr lang="de-CH" sz="2000">
+              <a:ea typeface="Calibri"/>
+              <a:cs typeface="Calibri"/>
+            </a:endParaRPr>
           </a:p>
           <a:p>
             <a:pPr marL="0" indent="0">
@@ -8368,13 +8009,10 @@
             <a:endParaRPr lang="de-CH" sz="2000"/>
           </a:p>
           <a:p>
-            <a:pPr marL="0" indent="0">
-              <a:buNone/>
-            </a:pPr>
-            <a:endParaRPr lang="de-CH" sz="2000"/>
-          </a:p>
-          <a:p>
-            <a:endParaRPr lang="de-CH" sz="2000"/>
+            <a:endParaRPr lang="de-CH" sz="2000">
+              <a:ea typeface="Calibri"/>
+              <a:cs typeface="Calibri"/>
+            </a:endParaRPr>
           </a:p>
           <a:p>
             <a:endParaRPr lang="de-CH" sz="2000"/>
@@ -8391,6 +8029,9 @@
   <p:clrMapOvr>
     <a:masterClrMapping/>
   </p:clrMapOvr>
+  <p:transition spd="slow">
+    <p:push dir="u"/>
+  </p:transition>
 </p:sld>
 </file>
 
@@ -8704,9 +8345,13 @@
           <a:lstStyle/>
           <a:p>
             <a:r>
-              <a:rPr lang="de-CH" sz="2000"/>
+              <a:rPr lang="de-CH" sz="2000" b="1"/>
               <a:t>Hobbys teilen</a:t>
             </a:r>
+            <a:endParaRPr lang="de-CH" sz="2000" b="1">
+              <a:ea typeface="Calibri"/>
+              <a:cs typeface="Calibri"/>
+            </a:endParaRPr>
           </a:p>
           <a:p>
             <a:pPr lvl="1"/>
@@ -8714,12 +8359,20 @@
               <a:rPr lang="de-CH" sz="2000"/>
               <a:t>Bsp. Sport, Kunst, Lifestyle</a:t>
             </a:r>
-          </a:p>
-          <a:p>
-            <a:r>
-              <a:rPr lang="de-CH" sz="2000"/>
+            <a:endParaRPr lang="de-CH" sz="2000">
+              <a:ea typeface="Calibri"/>
+              <a:cs typeface="Calibri"/>
+            </a:endParaRPr>
+          </a:p>
+          <a:p>
+            <a:r>
+              <a:rPr lang="de-CH" sz="2000" b="1"/>
               <a:t>Interessegruppen für verschiedene Hobbys</a:t>
             </a:r>
+            <a:endParaRPr lang="de-CH" sz="2000" b="1">
+              <a:ea typeface="Calibri"/>
+              <a:cs typeface="Calibri"/>
+            </a:endParaRPr>
           </a:p>
           <a:p>
             <a:pPr lvl="1"/>
@@ -8727,6 +8380,10 @@
               <a:rPr lang="de-CH" sz="2000"/>
               <a:t>Aktivitäten können geteilt werden</a:t>
             </a:r>
+            <a:endParaRPr lang="de-CH" sz="2000">
+              <a:ea typeface="Calibri"/>
+              <a:cs typeface="Calibri"/>
+            </a:endParaRPr>
           </a:p>
           <a:p>
             <a:pPr lvl="1"/>
@@ -8734,12 +8391,20 @@
               <a:rPr lang="de-CH" sz="2000"/>
               <a:t>Neue Freundschaften</a:t>
             </a:r>
-          </a:p>
-          <a:p>
-            <a:r>
-              <a:rPr lang="de-CH" sz="2000"/>
+            <a:endParaRPr lang="de-CH" sz="2000">
+              <a:ea typeface="Calibri"/>
+              <a:cs typeface="Calibri"/>
+            </a:endParaRPr>
+          </a:p>
+          <a:p>
+            <a:r>
+              <a:rPr lang="de-CH" sz="2000" b="1"/>
               <a:t>Menschen werden für Sport begeistert</a:t>
             </a:r>
+            <a:endParaRPr lang="de-CH" sz="2000" b="1">
+              <a:ea typeface="Calibri"/>
+              <a:cs typeface="Calibri"/>
+            </a:endParaRPr>
           </a:p>
           <a:p>
             <a:pPr lvl="1"/>
@@ -8747,6 +8412,10 @@
               <a:rPr lang="de-CH" sz="2000"/>
               <a:t>Gute Gesundheit</a:t>
             </a:r>
+            <a:endParaRPr lang="de-CH" sz="2000">
+              <a:ea typeface="Calibri"/>
+              <a:cs typeface="Calibri"/>
+            </a:endParaRPr>
           </a:p>
           <a:p>
             <a:pPr lvl="1"/>
@@ -8754,6 +8423,10 @@
               <a:rPr lang="de-CH" sz="2000"/>
               <a:t>Bewegung</a:t>
             </a:r>
+            <a:endParaRPr lang="de-CH" sz="2000">
+              <a:ea typeface="Calibri"/>
+              <a:cs typeface="Calibri"/>
+            </a:endParaRPr>
           </a:p>
           <a:p>
             <a:pPr lvl="1"/>
@@ -8761,6 +8434,10 @@
               <a:rPr lang="de-CH" sz="2000"/>
               <a:t>Spass</a:t>
             </a:r>
+            <a:endParaRPr lang="de-CH" sz="2000">
+              <a:ea typeface="Calibri"/>
+              <a:cs typeface="Calibri"/>
+            </a:endParaRPr>
           </a:p>
         </p:txBody>
       </p:sp>
@@ -8803,6 +8480,9 @@
   <p:clrMapOvr>
     <a:masterClrMapping/>
   </p:clrMapOvr>
+  <p:transition spd="slow">
+    <p:push dir="u"/>
+  </p:transition>
 </p:sld>
 </file>
 
@@ -9116,9 +8796,13 @@
           <a:lstStyle/>
           <a:p>
             <a:r>
-              <a:rPr lang="de-CH" sz="2000"/>
+              <a:rPr lang="de-CH" sz="2000" b="1"/>
               <a:t>Einmal täglich kann gepostet werden</a:t>
             </a:r>
+            <a:endParaRPr lang="de-CH" sz="2000" b="1">
+              <a:ea typeface="Calibri"/>
+              <a:cs typeface="Calibri"/>
+            </a:endParaRPr>
           </a:p>
           <a:p>
             <a:pPr lvl="1"/>
@@ -9126,6 +8810,10 @@
               <a:rPr lang="de-CH" sz="2000"/>
               <a:t>Videos oder Bilder</a:t>
             </a:r>
+            <a:endParaRPr lang="de-CH" sz="2000">
+              <a:ea typeface="Calibri"/>
+              <a:cs typeface="Calibri"/>
+            </a:endParaRPr>
           </a:p>
           <a:p>
             <a:pPr lvl="1"/>
@@ -9133,12 +8821,20 @@
               <a:rPr lang="de-CH" sz="2000"/>
               <a:t>Es soll möglichst authentisch sein.</a:t>
             </a:r>
-          </a:p>
-          <a:p>
-            <a:r>
-              <a:rPr lang="de-CH" sz="2000"/>
+            <a:endParaRPr lang="de-CH" sz="2000">
+              <a:ea typeface="Calibri"/>
+              <a:cs typeface="Calibri"/>
+            </a:endParaRPr>
+          </a:p>
+          <a:p>
+            <a:r>
+              <a:rPr lang="de-CH" sz="2000" b="1"/>
               <a:t>Einschränkungen</a:t>
             </a:r>
+            <a:endParaRPr lang="de-CH" sz="2000" b="1">
+              <a:ea typeface="Calibri"/>
+              <a:cs typeface="Calibri"/>
+            </a:endParaRPr>
           </a:p>
           <a:p>
             <a:pPr lvl="1"/>
@@ -9152,6 +8848,10 @@
               </a:rPr>
               <a:t> Gesundheitsgefährdend!</a:t>
             </a:r>
+            <a:endParaRPr lang="de-CH" sz="2000">
+              <a:ea typeface="Calibri"/>
+              <a:cs typeface="Calibri"/>
+            </a:endParaRPr>
           </a:p>
           <a:p>
             <a:pPr lvl="1"/>
@@ -9204,6 +8904,9 @@
   <p:clrMapOvr>
     <a:masterClrMapping/>
   </p:clrMapOvr>
+  <p:transition spd="slow">
+    <p:push dir="u"/>
+  </p:transition>
 </p:sld>
 </file>
 
@@ -9422,6 +9125,9 @@
   <p:clrMapOvr>
     <a:masterClrMapping/>
   </p:clrMapOvr>
+  <p:transition spd="slow">
+    <p:push dir="u"/>
+  </p:transition>
 </p:sld>
 </file>
 
@@ -9735,7 +9441,7 @@
           <a:lstStyle/>
           <a:p>
             <a:r>
-              <a:rPr lang="de-CH" sz="2000"/>
+              <a:rPr lang="de-CH" sz="2000" b="1"/>
               <a:t>Abo Model</a:t>
             </a:r>
           </a:p>
@@ -9745,6 +9451,10 @@
               <a:rPr lang="de-CH" sz="2000"/>
               <a:t>User können Premiumfunktionen freischalten</a:t>
             </a:r>
+            <a:endParaRPr lang="de-CH" sz="2000">
+              <a:ea typeface="Calibri"/>
+              <a:cs typeface="Calibri"/>
+            </a:endParaRPr>
           </a:p>
           <a:p>
             <a:pPr lvl="1"/>
@@ -9752,12 +9462,20 @@
               <a:rPr lang="de-CH" sz="2000"/>
               <a:t>Verschiedene Abos</a:t>
             </a:r>
-          </a:p>
-          <a:p>
-            <a:r>
-              <a:rPr lang="de-CH" sz="2000"/>
+            <a:endParaRPr lang="de-CH" sz="2000">
+              <a:ea typeface="Calibri"/>
+              <a:cs typeface="Calibri"/>
+            </a:endParaRPr>
+          </a:p>
+          <a:p>
+            <a:r>
+              <a:rPr lang="de-CH" sz="2000" b="1"/>
               <a:t>Kooperationen mit Vereinen</a:t>
             </a:r>
+            <a:endParaRPr lang="de-CH" sz="2000" b="1">
+              <a:ea typeface="Calibri"/>
+              <a:cs typeface="Calibri"/>
+            </a:endParaRPr>
           </a:p>
           <a:p>
             <a:pPr lvl="1"/>
@@ -9765,12 +9483,20 @@
               <a:rPr lang="de-CH" sz="2000"/>
               <a:t>Unterstützung durch Werbung</a:t>
             </a:r>
-          </a:p>
-          <a:p>
-            <a:r>
-              <a:rPr lang="de-CH" sz="2000"/>
+            <a:endParaRPr lang="de-CH" sz="2000">
+              <a:ea typeface="Calibri"/>
+              <a:cs typeface="Calibri"/>
+            </a:endParaRPr>
+          </a:p>
+          <a:p>
+            <a:r>
+              <a:rPr lang="de-CH" sz="2000" b="1" err="1"/>
               <a:t>Sportinfluencer</a:t>
             </a:r>
+            <a:endParaRPr lang="de-CH" sz="2000" b="1" err="1">
+              <a:ea typeface="Calibri"/>
+              <a:cs typeface="Calibri"/>
+            </a:endParaRPr>
           </a:p>
           <a:p>
             <a:pPr lvl="1"/>
@@ -9778,6 +9504,10 @@
               <a:rPr lang="de-CH" sz="2000"/>
               <a:t>Erschliessung neuer Communitys</a:t>
             </a:r>
+            <a:endParaRPr lang="de-CH" sz="2000">
+              <a:ea typeface="Calibri"/>
+              <a:cs typeface="Calibri"/>
+            </a:endParaRPr>
           </a:p>
           <a:p>
             <a:pPr lvl="1"/>
@@ -9824,6 +9554,9 @@
   <p:clrMapOvr>
     <a:masterClrMapping/>
   </p:clrMapOvr>
+  <p:transition spd="slow">
+    <p:push dir="u"/>
+  </p:transition>
 </p:sld>
 </file>
 
